--- a/ppt/Magisterka.pptx
+++ b/ppt/Magisterka.pptx
@@ -23,6 +23,17 @@
     <p:sldId id="270" r:id="rId17"/>
     <p:sldId id="271" r:id="rId18"/>
     <p:sldId id="272" r:id="rId19"/>
+    <p:sldId id="275" r:id="rId20"/>
+    <p:sldId id="276" r:id="rId21"/>
+    <p:sldId id="277" r:id="rId22"/>
+    <p:sldId id="278" r:id="rId23"/>
+    <p:sldId id="279" r:id="rId24"/>
+    <p:sldId id="280" r:id="rId25"/>
+    <p:sldId id="281" r:id="rId26"/>
+    <p:sldId id="282" r:id="rId27"/>
+    <p:sldId id="283" r:id="rId28"/>
+    <p:sldId id="284" r:id="rId29"/>
+    <p:sldId id="274" r:id="rId30"/>
   </p:sldIdLst>
   <p:sldSz cx="12192000" cy="6858000"/>
   <p:notesSz cx="6858000" cy="9144000"/>
@@ -132,7 +143,7 @@
 <file path=ppt/revisionInfo.xml><?xml version="1.0" encoding="utf-8"?>
 <p1510:revInfo xmlns:a="http://schemas.openxmlformats.org/drawingml/2006/main" xmlns:r="http://schemas.openxmlformats.org/officeDocument/2006/relationships" xmlns:p1510="http://schemas.microsoft.com/office/powerpoint/2015/10/main">
   <p1510:revLst>
-    <p1510:client id="{A7127740-320D-87E5-DC7F-72BA4F00170F}" v="2077" dt="2024-04-23T23:57:07.399"/>
+    <p1510:client id="{9AA01AE4-6C54-E03E-3CBE-64F618448C34}" v="761" dt="2024-06-18T22:12:47.717"/>
   </p1510:revLst>
 </p1510:revInfo>
 </file>
@@ -485,7 +496,7 @@
           <a:p>
             <a:fld id="{3CADBD16-5BFB-4D9F-9646-C75D1B53BBB6}" type="datetimeFigureOut">
               <a:rPr lang="en-US" smtClean="0"/>
-              <a:t>4/23/2024</a:t>
+              <a:t>6/18/2024</a:t>
             </a:fld>
             <a:endParaRPr lang="en-US"/>
           </a:p>
@@ -726,7 +737,7 @@
           <a:p>
             <a:fld id="{3CADBD16-5BFB-4D9F-9646-C75D1B53BBB6}" type="datetimeFigureOut">
               <a:rPr lang="en-US" smtClean="0"/>
-              <a:t>4/23/2024</a:t>
+              <a:t>6/18/2024</a:t>
             </a:fld>
             <a:endParaRPr lang="en-US"/>
           </a:p>
@@ -934,7 +945,7 @@
           <a:p>
             <a:fld id="{3CADBD16-5BFB-4D9F-9646-C75D1B53BBB6}" type="datetimeFigureOut">
               <a:rPr lang="en-US" smtClean="0"/>
-              <a:t>4/23/2024</a:t>
+              <a:t>6/18/2024</a:t>
             </a:fld>
             <a:endParaRPr lang="en-US"/>
           </a:p>
@@ -1132,7 +1143,7 @@
           <a:p>
             <a:fld id="{3CADBD16-5BFB-4D9F-9646-C75D1B53BBB6}" type="datetimeFigureOut">
               <a:rPr lang="en-US" smtClean="0"/>
-              <a:t>4/23/2024</a:t>
+              <a:t>6/18/2024</a:t>
             </a:fld>
             <a:endParaRPr lang="en-US"/>
           </a:p>
@@ -1409,7 +1420,7 @@
           <a:p>
             <a:fld id="{3CADBD16-5BFB-4D9F-9646-C75D1B53BBB6}" type="datetimeFigureOut">
               <a:rPr lang="en-US" smtClean="0"/>
-              <a:t>4/23/2024</a:t>
+              <a:t>6/18/2024</a:t>
             </a:fld>
             <a:endParaRPr lang="en-US"/>
           </a:p>
@@ -1674,7 +1685,7 @@
           <a:p>
             <a:fld id="{3CADBD16-5BFB-4D9F-9646-C75D1B53BBB6}" type="datetimeFigureOut">
               <a:rPr lang="en-US" smtClean="0"/>
-              <a:t>4/23/2024</a:t>
+              <a:t>6/18/2024</a:t>
             </a:fld>
             <a:endParaRPr lang="en-US"/>
           </a:p>
@@ -2090,7 +2101,7 @@
           <a:p>
             <a:fld id="{3CADBD16-5BFB-4D9F-9646-C75D1B53BBB6}" type="datetimeFigureOut">
               <a:rPr lang="en-US" smtClean="0"/>
-              <a:t>4/23/2024</a:t>
+              <a:t>6/18/2024</a:t>
             </a:fld>
             <a:endParaRPr lang="en-US"/>
           </a:p>
@@ -2240,7 +2251,7 @@
           <a:p>
             <a:fld id="{3CADBD16-5BFB-4D9F-9646-C75D1B53BBB6}" type="datetimeFigureOut">
               <a:rPr lang="en-US" smtClean="0"/>
-              <a:t>4/23/2024</a:t>
+              <a:t>6/18/2024</a:t>
             </a:fld>
             <a:endParaRPr lang="en-US"/>
           </a:p>
@@ -2353,7 +2364,7 @@
           <a:p>
             <a:fld id="{3CADBD16-5BFB-4D9F-9646-C75D1B53BBB6}" type="datetimeFigureOut">
               <a:rPr lang="en-US" smtClean="0"/>
-              <a:t>4/23/2024</a:t>
+              <a:t>6/18/2024</a:t>
             </a:fld>
             <a:endParaRPr lang="en-US"/>
           </a:p>
@@ -2669,7 +2680,7 @@
           <a:p>
             <a:fld id="{3CADBD16-5BFB-4D9F-9646-C75D1B53BBB6}" type="datetimeFigureOut">
               <a:rPr lang="en-US" smtClean="0"/>
-              <a:t>4/23/2024</a:t>
+              <a:t>6/18/2024</a:t>
             </a:fld>
             <a:endParaRPr lang="en-US"/>
           </a:p>
@@ -2920,7 +2931,7 @@
           <a:p>
             <a:fld id="{3CADBD16-5BFB-4D9F-9646-C75D1B53BBB6}" type="datetimeFigureOut">
               <a:rPr lang="en-US" smtClean="0"/>
-              <a:t>4/23/2024</a:t>
+              <a:t>6/18/2024</a:t>
             </a:fld>
             <a:endParaRPr lang="en-US"/>
           </a:p>
@@ -3429,7 +3440,7 @@
             <a:fld id="{3CADBD16-5BFB-4D9F-9646-C75D1B53BBB6}" type="datetimeFigureOut">
               <a:rPr lang="en-US" smtClean="0"/>
               <a:pPr/>
-              <a:t>4/23/2024</a:t>
+              <a:t>6/18/2024</a:t>
             </a:fld>
             <a:endParaRPr lang="en-US" dirty="0"/>
           </a:p>
@@ -4901,14 +4912,14 @@
               </a:lnSpc>
             </a:pPr>
             <a:r>
-              <a:rPr lang="en-US" sz="2800" kern="1200" err="1">
+              <a:rPr lang="en-US" sz="2800" dirty="0" err="1">
                 <a:solidFill>
                   <a:srgbClr val="FFFFFF"/>
                 </a:solidFill>
                 <a:latin typeface="Arial"/>
                 <a:cs typeface="Arial"/>
               </a:rPr>
-              <a:t>Badanie</a:t>
+              <a:t>porównanie</a:t>
             </a:r>
             <a:r>
               <a:rPr lang="en-US" sz="2800" kern="1200" dirty="0">
@@ -4921,7 +4932,7 @@
               <a:t> </a:t>
             </a:r>
             <a:r>
-              <a:rPr lang="en-US" sz="2800" kern="1200" err="1">
+              <a:rPr lang="en-US" sz="2800" kern="1200" dirty="0" err="1">
                 <a:solidFill>
                   <a:srgbClr val="FFFFFF"/>
                 </a:solidFill>
@@ -4941,7 +4952,7 @@
               <a:t> </a:t>
             </a:r>
             <a:r>
-              <a:rPr lang="en-US" sz="2800" kern="1200" err="1">
+              <a:rPr lang="en-US" sz="2800" kern="1200" dirty="0" err="1">
                 <a:solidFill>
                   <a:srgbClr val="FFFFFF"/>
                 </a:solidFill>
@@ -4950,7 +4961,7 @@
               </a:rPr>
               <a:t>nawigacyjnych</a:t>
             </a:r>
-            <a:endParaRPr lang="en-US" sz="2800" kern="1200">
+            <a:endParaRPr lang="en-US" sz="2800" kern="1200" dirty="0">
               <a:solidFill>
                 <a:srgbClr val="FFFFFF"/>
               </a:solidFill>
@@ -6100,8 +6111,8 @@
         </p:blipFill>
         <p:spPr>
           <a:xfrm>
-            <a:off x="4317307" y="2981593"/>
-            <a:ext cx="3546654" cy="2923236"/>
+            <a:off x="4200076" y="2766670"/>
+            <a:ext cx="3790884" cy="3138159"/>
           </a:xfrm>
           <a:prstGeom prst="rect">
             <a:avLst/>
@@ -6254,8 +6265,8 @@
         </p:blipFill>
         <p:spPr>
           <a:xfrm>
-            <a:off x="4295842" y="2845627"/>
-            <a:ext cx="3600317" cy="2948324"/>
+            <a:off x="4198150" y="2767474"/>
+            <a:ext cx="3795701" cy="3124169"/>
           </a:xfrm>
           <a:prstGeom prst="rect">
             <a:avLst/>
@@ -6408,8 +6419,8 @@
         </p:blipFill>
         <p:spPr>
           <a:xfrm>
-            <a:off x="4152766" y="2855153"/>
-            <a:ext cx="3886469" cy="3143921"/>
+            <a:off x="4201613" y="2776999"/>
+            <a:ext cx="3779005" cy="3065765"/>
           </a:xfrm>
           <a:prstGeom prst="rect">
             <a:avLst/>
@@ -6572,7 +6583,7 @@
                 <a:latin typeface="Arial"/>
                 <a:cs typeface="Arial"/>
               </a:rPr>
-              <a:t>- Czasy regulacji ok 500ms </a:t>
+              <a:t>- Czasy regulacji ok 600ms </a:t>
             </a:r>
             <a:br>
               <a:rPr lang="pl-PL" dirty="0">
@@ -6647,8 +6658,12 @@
                 <a:latin typeface="Arial"/>
                 <a:cs typeface="Arial"/>
               </a:rPr>
-              <a:t>Wnioski</a:t>
-            </a:r>
+              <a:t>Porównanie algorytmu genetycznego z metodą klasyczną - wnioski</a:t>
+            </a:r>
+            <a:endParaRPr lang="en-US" dirty="0">
+              <a:latin typeface="Arial"/>
+              <a:cs typeface="Arial"/>
+            </a:endParaRPr>
           </a:p>
         </p:txBody>
       </p:sp>
@@ -6732,6 +6747,231 @@
     <p:extLst>
       <p:ext uri="{BB962C8B-B14F-4D97-AF65-F5344CB8AC3E}">
         <p14:creationId xmlns:p14="http://schemas.microsoft.com/office/powerpoint/2010/main" val="3954762678"/>
+      </p:ext>
+    </p:extLst>
+  </p:cSld>
+  <p:clrMapOvr>
+    <a:masterClrMapping/>
+  </p:clrMapOvr>
+</p:sld>
+</file>
+
+<file path=ppt/slides/slide19.xml><?xml version="1.0" encoding="utf-8"?>
+<p:sld xmlns:a="http://schemas.openxmlformats.org/drawingml/2006/main" xmlns:r="http://schemas.openxmlformats.org/officeDocument/2006/relationships" xmlns:p="http://schemas.openxmlformats.org/presentationml/2006/main">
+  <p:cSld>
+    <p:spTree>
+      <p:nvGrpSpPr>
+        <p:cNvPr id="1" name=""/>
+        <p:cNvGrpSpPr/>
+        <p:nvPr/>
+      </p:nvGrpSpPr>
+      <p:grpSpPr>
+        <a:xfrm>
+          <a:off x="0" y="0"/>
+          <a:ext cx="0" cy="0"/>
+          <a:chOff x="0" y="0"/>
+          <a:chExt cx="0" cy="0"/>
+        </a:xfrm>
+      </p:grpSpPr>
+      <p:sp>
+        <p:nvSpPr>
+          <p:cNvPr id="2" name="Tytuł 1">
+            <a:extLst>
+              <a:ext uri="{FF2B5EF4-FFF2-40B4-BE49-F238E27FC236}">
+                <a16:creationId xmlns:a16="http://schemas.microsoft.com/office/drawing/2014/main" id="{EE30A71B-B264-1609-723D-743A7001A0D2}"/>
+              </a:ext>
+            </a:extLst>
+          </p:cNvPr>
+          <p:cNvSpPr>
+            <a:spLocks noGrp="1"/>
+          </p:cNvSpPr>
+          <p:nvPr>
+            <p:ph type="title"/>
+          </p:nvPr>
+        </p:nvSpPr>
+        <p:spPr/>
+        <p:txBody>
+          <a:bodyPr/>
+          <a:lstStyle/>
+          <a:p>
+            <a:pPr algn="ctr"/>
+            <a:r>
+              <a:rPr lang="pl-PL" dirty="0">
+                <a:latin typeface="Arial"/>
+                <a:ea typeface="+mj-lt"/>
+                <a:cs typeface="+mj-lt"/>
+              </a:rPr>
+              <a:t>Porównanie statycznych algorytmów nawigacyjnych - opis eksperymentu</a:t>
+            </a:r>
+            <a:endParaRPr lang="pl-PL" dirty="0">
+              <a:latin typeface="Arial"/>
+              <a:cs typeface="Arial"/>
+            </a:endParaRPr>
+          </a:p>
+        </p:txBody>
+      </p:sp>
+      <p:sp>
+        <p:nvSpPr>
+          <p:cNvPr id="3" name="Symbol zastępczy zawartości 2">
+            <a:extLst>
+              <a:ext uri="{FF2B5EF4-FFF2-40B4-BE49-F238E27FC236}">
+                <a16:creationId xmlns:a16="http://schemas.microsoft.com/office/drawing/2014/main" id="{EA4664C9-59FA-012C-F42F-1EAEB97B7F12}"/>
+              </a:ext>
+            </a:extLst>
+          </p:cNvPr>
+          <p:cNvSpPr>
+            <a:spLocks noGrp="1"/>
+          </p:cNvSpPr>
+          <p:nvPr>
+            <p:ph idx="1"/>
+          </p:nvPr>
+        </p:nvSpPr>
+        <p:spPr/>
+        <p:txBody>
+          <a:bodyPr vert="horz" lIns="91440" tIns="45720" rIns="91440" bIns="45720" rtlCol="0" anchor="t">
+            <a:normAutofit/>
+          </a:bodyPr>
+          <a:lstStyle/>
+          <a:p>
+            <a:pPr marL="0" indent="0" algn="just">
+              <a:buNone/>
+            </a:pPr>
+            <a:r>
+              <a:rPr lang="pl-PL" sz="1400" dirty="0">
+                <a:latin typeface="Arial"/>
+                <a:cs typeface="Arial"/>
+              </a:rPr>
+              <a:t>Eksperyment polegał na przetestowaniu algorytmu Dijkstry oraz A* z wybranymi metrykami (Manhattan, </a:t>
+            </a:r>
+            <a:r>
+              <a:rPr lang="pl-PL" sz="1400" dirty="0" err="1">
+                <a:latin typeface="Arial"/>
+                <a:cs typeface="Arial"/>
+              </a:rPr>
+              <a:t>Euclidean</a:t>
+            </a:r>
+            <a:r>
+              <a:rPr lang="pl-PL" sz="1400" dirty="0">
+                <a:latin typeface="Arial"/>
+                <a:cs typeface="Arial"/>
+              </a:rPr>
+              <a:t>, Max) na mapach i porównaniu otrzymanych wyników:</a:t>
+            </a:r>
+          </a:p>
+          <a:p>
+            <a:pPr marL="285750" indent="-285750" algn="just"/>
+            <a:r>
+              <a:rPr lang="pl-PL" sz="1400" dirty="0">
+                <a:latin typeface="Arial"/>
+                <a:cs typeface="Arial"/>
+              </a:rPr>
+              <a:t>Bez przeszkód o rozmiarach</a:t>
+            </a:r>
+          </a:p>
+          <a:p>
+            <a:pPr marL="400050" lvl="1" indent="-171450" algn="just">
+              <a:buFont typeface="Arial"/>
+              <a:buChar char="•"/>
+            </a:pPr>
+            <a:r>
+              <a:rPr lang="pl-PL" sz="1200" i="0" dirty="0">
+                <a:latin typeface="Arial"/>
+                <a:cs typeface="Arial"/>
+              </a:rPr>
+              <a:t>200x50</a:t>
+            </a:r>
+          </a:p>
+          <a:p>
+            <a:pPr marL="400050" lvl="1" indent="-171450" algn="just">
+              <a:buFont typeface="Arial"/>
+              <a:buChar char="•"/>
+            </a:pPr>
+            <a:r>
+              <a:rPr lang="pl-PL" sz="1200" i="0" dirty="0">
+                <a:latin typeface="Arial"/>
+                <a:cs typeface="Arial"/>
+              </a:rPr>
+              <a:t>200x200</a:t>
+            </a:r>
+          </a:p>
+          <a:p>
+            <a:pPr marL="400050" lvl="1" indent="-171450" algn="just">
+              <a:buFont typeface="Arial"/>
+              <a:buChar char="•"/>
+            </a:pPr>
+            <a:r>
+              <a:rPr lang="pl-PL" sz="1200" i="0" dirty="0">
+                <a:latin typeface="Arial"/>
+                <a:cs typeface="Arial"/>
+              </a:rPr>
+              <a:t>500x500</a:t>
+            </a:r>
+          </a:p>
+          <a:p>
+            <a:pPr marL="400050" lvl="1" indent="-171450" algn="just">
+              <a:buFont typeface="Arial"/>
+              <a:buChar char="•"/>
+            </a:pPr>
+            <a:r>
+              <a:rPr lang="pl-PL" sz="1200" i="0" dirty="0">
+                <a:latin typeface="Arial"/>
+                <a:cs typeface="Arial"/>
+              </a:rPr>
+              <a:t>1000x1000</a:t>
+            </a:r>
+          </a:p>
+          <a:p>
+            <a:pPr marL="400050" lvl="1" indent="-171450" algn="just">
+              <a:buFont typeface="Arial"/>
+              <a:buChar char="•"/>
+            </a:pPr>
+            <a:r>
+              <a:rPr lang="pl-PL" sz="1200" i="0" dirty="0">
+                <a:latin typeface="Arial"/>
+                <a:cs typeface="Arial"/>
+              </a:rPr>
+              <a:t>2000x2000</a:t>
+            </a:r>
+          </a:p>
+          <a:p>
+            <a:pPr marL="285750" indent="-285750" algn="just">
+              <a:buFont typeface="Arial,Sans-Serif"/>
+              <a:buChar char="•"/>
+            </a:pPr>
+            <a:r>
+              <a:rPr lang="pl-PL" sz="1400" dirty="0">
+                <a:latin typeface="Arial"/>
+                <a:cs typeface="Arial"/>
+              </a:rPr>
+              <a:t>Z losowo umieszczonymi przeszkodami na mapie o rozmiarach 200x50</a:t>
+            </a:r>
+          </a:p>
+          <a:p>
+            <a:pPr marL="400050" lvl="1" indent="-171450" algn="just">
+              <a:buFont typeface="Arial"/>
+              <a:buChar char="•"/>
+            </a:pPr>
+            <a:endParaRPr lang="pl-PL" sz="1200" i="0" dirty="0">
+              <a:latin typeface="Arial"/>
+              <a:cs typeface="Arial"/>
+            </a:endParaRPr>
+          </a:p>
+          <a:p>
+            <a:pPr marL="400050" lvl="1" indent="-171450" algn="just">
+              <a:buFont typeface="Arial"/>
+              <a:buChar char="•"/>
+            </a:pPr>
+            <a:endParaRPr lang="pl-PL" sz="1200" i="0" dirty="0">
+              <a:latin typeface="Arial"/>
+              <a:cs typeface="Arial"/>
+            </a:endParaRPr>
+          </a:p>
+        </p:txBody>
+      </p:sp>
+    </p:spTree>
+    <p:extLst>
+      <p:ext uri="{BB962C8B-B14F-4D97-AF65-F5344CB8AC3E}">
+        <p14:creationId xmlns:p14="http://schemas.microsoft.com/office/powerpoint/2010/main" val="2426547716"/>
       </p:ext>
     </p:extLst>
   </p:cSld>
@@ -6829,7 +7069,7 @@
                 <a:latin typeface="Arial"/>
                 <a:cs typeface="Arial"/>
               </a:rPr>
-              <a:t>Badanie i porównanie statycznych algorytmów pod kątem wydajności obliczeniowej i dokładności nawigacji</a:t>
+              <a:t>Badanie i porównanie statycznych algorytmów pod kątem wydajności obliczeniowej i optymalizacji długości trasy</a:t>
             </a:r>
           </a:p>
           <a:p>
@@ -6840,19 +7080,1124 @@
                 <a:ea typeface="+mn-lt"/>
                 <a:cs typeface="+mn-lt"/>
               </a:rPr>
-              <a:t>Badanie i porównanie dynamicznych algorytmów pod kątem wydajności obliczeniowej i dokładności nawigacji</a:t>
+              <a:t>Badanie i porównanie dynamicznych algorytmów pod </a:t>
+            </a:r>
+            <a:r>
+              <a:rPr lang="pl-PL" dirty="0">
+                <a:latin typeface="Arial"/>
+                <a:ea typeface="+mn-lt"/>
+                <a:cs typeface="Arial"/>
+              </a:rPr>
+              <a:t>kątem wydajności obliczeniowej i optymalizacji długości trasy</a:t>
+            </a:r>
+            <a:endParaRPr lang="pl-PL" dirty="0">
+              <a:latin typeface="Arial"/>
+              <a:cs typeface="Arial"/>
+            </a:endParaRPr>
+          </a:p>
+        </p:txBody>
+      </p:sp>
+    </p:spTree>
+    <p:extLst>
+      <p:ext uri="{BB962C8B-B14F-4D97-AF65-F5344CB8AC3E}">
+        <p14:creationId xmlns:p14="http://schemas.microsoft.com/office/powerpoint/2010/main" val="1005175774"/>
+      </p:ext>
+    </p:extLst>
+  </p:cSld>
+  <p:clrMapOvr>
+    <a:masterClrMapping/>
+  </p:clrMapOvr>
+</p:sld>
+</file>
+
+<file path=ppt/slides/slide20.xml><?xml version="1.0" encoding="utf-8"?>
+<p:sld xmlns:a="http://schemas.openxmlformats.org/drawingml/2006/main" xmlns:r="http://schemas.openxmlformats.org/officeDocument/2006/relationships" xmlns:p="http://schemas.openxmlformats.org/presentationml/2006/main">
+  <p:cSld>
+    <p:spTree>
+      <p:nvGrpSpPr>
+        <p:cNvPr id="1" name=""/>
+        <p:cNvGrpSpPr/>
+        <p:nvPr/>
+      </p:nvGrpSpPr>
+      <p:grpSpPr>
+        <a:xfrm>
+          <a:off x="0" y="0"/>
+          <a:ext cx="0" cy="0"/>
+          <a:chOff x="0" y="0"/>
+          <a:chExt cx="0" cy="0"/>
+        </a:xfrm>
+      </p:grpSpPr>
+      <p:sp>
+        <p:nvSpPr>
+          <p:cNvPr id="2" name="Tytuł 1">
+            <a:extLst>
+              <a:ext uri="{FF2B5EF4-FFF2-40B4-BE49-F238E27FC236}">
+                <a16:creationId xmlns:a16="http://schemas.microsoft.com/office/drawing/2014/main" id="{3382C6DE-611E-FE71-86AE-14F00777A838}"/>
+              </a:ext>
+            </a:extLst>
+          </p:cNvPr>
+          <p:cNvSpPr>
+            <a:spLocks noGrp="1"/>
+          </p:cNvSpPr>
+          <p:nvPr>
+            <p:ph type="title"/>
+          </p:nvPr>
+        </p:nvSpPr>
+        <p:spPr/>
+        <p:txBody>
+          <a:bodyPr/>
+          <a:lstStyle/>
+          <a:p>
+            <a:pPr algn="ctr"/>
+            <a:r>
+              <a:rPr lang="pl-PL" dirty="0">
+                <a:latin typeface="Arial"/>
+                <a:cs typeface="Arial"/>
+              </a:rPr>
+              <a:t>Porównanie algorytmów na mapach bez przeszkód - Dijkstra</a:t>
+            </a:r>
+          </a:p>
+        </p:txBody>
+      </p:sp>
+      <p:pic>
+        <p:nvPicPr>
+          <p:cNvPr id="11" name="Symbol zastępczy zawartości 10" descr="Obraz zawierający tekst, linia, Wykres, diagram&#10;&#10;Opis wygenerowany automatycznie">
+            <a:extLst>
+              <a:ext uri="{FF2B5EF4-FFF2-40B4-BE49-F238E27FC236}">
+                <a16:creationId xmlns:a16="http://schemas.microsoft.com/office/drawing/2014/main" id="{85BB0D71-F0F5-0DC7-3CDB-FF08A95F3182}"/>
+              </a:ext>
+            </a:extLst>
+          </p:cNvPr>
+          <p:cNvPicPr>
+            <a:picLocks noGrp="1" noChangeAspect="1"/>
+          </p:cNvPicPr>
+          <p:nvPr>
+            <p:ph idx="1"/>
+          </p:nvPr>
+        </p:nvPicPr>
+        <p:blipFill>
+          <a:blip r:embed="rId2"/>
+          <a:stretch>
+            <a:fillRect/>
+          </a:stretch>
+        </p:blipFill>
+        <p:spPr>
+          <a:xfrm>
+            <a:off x="3048000" y="2286785"/>
+            <a:ext cx="6096000" cy="3657600"/>
+          </a:xfrm>
+        </p:spPr>
+      </p:pic>
+    </p:spTree>
+    <p:extLst>
+      <p:ext uri="{BB962C8B-B14F-4D97-AF65-F5344CB8AC3E}">
+        <p14:creationId xmlns:p14="http://schemas.microsoft.com/office/powerpoint/2010/main" val="2651998924"/>
+      </p:ext>
+    </p:extLst>
+  </p:cSld>
+  <p:clrMapOvr>
+    <a:masterClrMapping/>
+  </p:clrMapOvr>
+</p:sld>
+</file>
+
+<file path=ppt/slides/slide21.xml><?xml version="1.0" encoding="utf-8"?>
+<p:sld xmlns:a="http://schemas.openxmlformats.org/drawingml/2006/main" xmlns:r="http://schemas.openxmlformats.org/officeDocument/2006/relationships" xmlns:p="http://schemas.openxmlformats.org/presentationml/2006/main">
+  <p:cSld>
+    <p:spTree>
+      <p:nvGrpSpPr>
+        <p:cNvPr id="1" name=""/>
+        <p:cNvGrpSpPr/>
+        <p:nvPr/>
+      </p:nvGrpSpPr>
+      <p:grpSpPr>
+        <a:xfrm>
+          <a:off x="0" y="0"/>
+          <a:ext cx="0" cy="0"/>
+          <a:chOff x="0" y="0"/>
+          <a:chExt cx="0" cy="0"/>
+        </a:xfrm>
+      </p:grpSpPr>
+      <p:sp>
+        <p:nvSpPr>
+          <p:cNvPr id="2" name="Tytuł 1">
+            <a:extLst>
+              <a:ext uri="{FF2B5EF4-FFF2-40B4-BE49-F238E27FC236}">
+                <a16:creationId xmlns:a16="http://schemas.microsoft.com/office/drawing/2014/main" id="{3382C6DE-611E-FE71-86AE-14F00777A838}"/>
+              </a:ext>
+            </a:extLst>
+          </p:cNvPr>
+          <p:cNvSpPr>
+            <a:spLocks noGrp="1"/>
+          </p:cNvSpPr>
+          <p:nvPr>
+            <p:ph type="title"/>
+          </p:nvPr>
+        </p:nvSpPr>
+        <p:spPr/>
+        <p:txBody>
+          <a:bodyPr/>
+          <a:lstStyle/>
+          <a:p>
+            <a:pPr algn="ctr"/>
+            <a:r>
+              <a:rPr lang="pl-PL" dirty="0">
+                <a:latin typeface="Arial"/>
+                <a:cs typeface="Arial"/>
+              </a:rPr>
+              <a:t>Porównanie algorytmów na mapach bez przeszkód - A*</a:t>
+            </a:r>
+          </a:p>
+        </p:txBody>
+      </p:sp>
+      <p:pic>
+        <p:nvPicPr>
+          <p:cNvPr id="5" name="Symbol zastępczy zawartości 4" descr="Obraz zawierający tekst, diagram, Wykres, linia&#10;&#10;Opis wygenerowany automatycznie">
+            <a:extLst>
+              <a:ext uri="{FF2B5EF4-FFF2-40B4-BE49-F238E27FC236}">
+                <a16:creationId xmlns:a16="http://schemas.microsoft.com/office/drawing/2014/main" id="{F0868C32-6604-9302-EA37-04716B3B3E66}"/>
+              </a:ext>
+            </a:extLst>
+          </p:cNvPr>
+          <p:cNvPicPr>
+            <a:picLocks noGrp="1" noChangeAspect="1"/>
+          </p:cNvPicPr>
+          <p:nvPr>
+            <p:ph idx="1"/>
+          </p:nvPr>
+        </p:nvPicPr>
+        <p:blipFill>
+          <a:blip r:embed="rId2"/>
+          <a:stretch>
+            <a:fillRect/>
+          </a:stretch>
+        </p:blipFill>
+        <p:spPr>
+          <a:xfrm>
+            <a:off x="3048000" y="2286785"/>
+            <a:ext cx="6096000" cy="3657600"/>
+          </a:xfrm>
+        </p:spPr>
+      </p:pic>
+    </p:spTree>
+    <p:extLst>
+      <p:ext uri="{BB962C8B-B14F-4D97-AF65-F5344CB8AC3E}">
+        <p14:creationId xmlns:p14="http://schemas.microsoft.com/office/powerpoint/2010/main" val="121367415"/>
+      </p:ext>
+    </p:extLst>
+  </p:cSld>
+  <p:clrMapOvr>
+    <a:masterClrMapping/>
+  </p:clrMapOvr>
+</p:sld>
+</file>
+
+<file path=ppt/slides/slide22.xml><?xml version="1.0" encoding="utf-8"?>
+<p:sld xmlns:a="http://schemas.openxmlformats.org/drawingml/2006/main" xmlns:r="http://schemas.openxmlformats.org/officeDocument/2006/relationships" xmlns:p="http://schemas.openxmlformats.org/presentationml/2006/main">
+  <p:cSld>
+    <p:spTree>
+      <p:nvGrpSpPr>
+        <p:cNvPr id="1" name=""/>
+        <p:cNvGrpSpPr/>
+        <p:nvPr/>
+      </p:nvGrpSpPr>
+      <p:grpSpPr>
+        <a:xfrm>
+          <a:off x="0" y="0"/>
+          <a:ext cx="0" cy="0"/>
+          <a:chOff x="0" y="0"/>
+          <a:chExt cx="0" cy="0"/>
+        </a:xfrm>
+      </p:grpSpPr>
+      <p:sp>
+        <p:nvSpPr>
+          <p:cNvPr id="2" name="Tytuł 1">
+            <a:extLst>
+              <a:ext uri="{FF2B5EF4-FFF2-40B4-BE49-F238E27FC236}">
+                <a16:creationId xmlns:a16="http://schemas.microsoft.com/office/drawing/2014/main" id="{CF900C69-BDE0-77C2-CFC2-0C7CFB0FA81D}"/>
+              </a:ext>
+            </a:extLst>
+          </p:cNvPr>
+          <p:cNvSpPr>
+            <a:spLocks noGrp="1"/>
+          </p:cNvSpPr>
+          <p:nvPr>
+            <p:ph type="title"/>
+          </p:nvPr>
+        </p:nvSpPr>
+        <p:spPr/>
+        <p:txBody>
+          <a:bodyPr/>
+          <a:lstStyle/>
+          <a:p>
+            <a:pPr algn="ctr"/>
+            <a:r>
+              <a:rPr lang="pl-PL" dirty="0">
+                <a:latin typeface="Arial"/>
+                <a:cs typeface="Arial"/>
+              </a:rPr>
+              <a:t>Porównanie algorytmów na mapach bez przeszkód</a:t>
+            </a:r>
+            <a:endParaRPr lang="pl-PL" dirty="0"/>
+          </a:p>
+        </p:txBody>
+      </p:sp>
+      <p:pic>
+        <p:nvPicPr>
+          <p:cNvPr id="4" name="Symbol zastępczy zawartości 3" descr="Obraz zawierający tekst, diagram, linia, Wykres&#10;&#10;Opis wygenerowany automatycznie">
+            <a:extLst>
+              <a:ext uri="{FF2B5EF4-FFF2-40B4-BE49-F238E27FC236}">
+                <a16:creationId xmlns:a16="http://schemas.microsoft.com/office/drawing/2014/main" id="{E3B19304-E1ED-3DDC-B131-3DAD3D4282EA}"/>
+              </a:ext>
+            </a:extLst>
+          </p:cNvPr>
+          <p:cNvPicPr>
+            <a:picLocks noGrp="1" noChangeAspect="1"/>
+          </p:cNvPicPr>
+          <p:nvPr>
+            <p:ph idx="1"/>
+          </p:nvPr>
+        </p:nvPicPr>
+        <p:blipFill>
+          <a:blip r:embed="rId2"/>
+          <a:stretch>
+            <a:fillRect/>
+          </a:stretch>
+        </p:blipFill>
+        <p:spPr>
+          <a:xfrm>
+            <a:off x="3048000" y="2286785"/>
+            <a:ext cx="6096000" cy="3657600"/>
+          </a:xfrm>
+        </p:spPr>
+      </p:pic>
+    </p:spTree>
+    <p:extLst>
+      <p:ext uri="{BB962C8B-B14F-4D97-AF65-F5344CB8AC3E}">
+        <p14:creationId xmlns:p14="http://schemas.microsoft.com/office/powerpoint/2010/main" val="3131392846"/>
+      </p:ext>
+    </p:extLst>
+  </p:cSld>
+  <p:clrMapOvr>
+    <a:masterClrMapping/>
+  </p:clrMapOvr>
+</p:sld>
+</file>
+
+<file path=ppt/slides/slide23.xml><?xml version="1.0" encoding="utf-8"?>
+<p:sld xmlns:a="http://schemas.openxmlformats.org/drawingml/2006/main" xmlns:r="http://schemas.openxmlformats.org/officeDocument/2006/relationships" xmlns:p="http://schemas.openxmlformats.org/presentationml/2006/main">
+  <p:cSld>
+    <p:spTree>
+      <p:nvGrpSpPr>
+        <p:cNvPr id="1" name=""/>
+        <p:cNvGrpSpPr/>
+        <p:nvPr/>
+      </p:nvGrpSpPr>
+      <p:grpSpPr>
+        <a:xfrm>
+          <a:off x="0" y="0"/>
+          <a:ext cx="0" cy="0"/>
+          <a:chOff x="0" y="0"/>
+          <a:chExt cx="0" cy="0"/>
+        </a:xfrm>
+      </p:grpSpPr>
+      <p:sp>
+        <p:nvSpPr>
+          <p:cNvPr id="2" name="Tytuł 1">
+            <a:extLst>
+              <a:ext uri="{FF2B5EF4-FFF2-40B4-BE49-F238E27FC236}">
+                <a16:creationId xmlns:a16="http://schemas.microsoft.com/office/drawing/2014/main" id="{B3FB5250-F097-3D10-0968-276DF926D780}"/>
+              </a:ext>
+            </a:extLst>
+          </p:cNvPr>
+          <p:cNvSpPr>
+            <a:spLocks noGrp="1"/>
+          </p:cNvSpPr>
+          <p:nvPr>
+            <p:ph type="title"/>
+          </p:nvPr>
+        </p:nvSpPr>
+        <p:spPr/>
+        <p:txBody>
+          <a:bodyPr/>
+          <a:lstStyle/>
+          <a:p>
+            <a:pPr algn="ctr"/>
+            <a:r>
+              <a:rPr lang="pl-PL" dirty="0">
+                <a:latin typeface="Arial"/>
+                <a:cs typeface="Arial"/>
+              </a:rPr>
+              <a:t>Porównanie algorytmów na mapach z losowo umieszczonymi przeszkodami</a:t>
+            </a:r>
+          </a:p>
+        </p:txBody>
+      </p:sp>
+      <p:pic>
+        <p:nvPicPr>
+          <p:cNvPr id="4" name="Symbol zastępczy zawartości 3" descr="Obraz zawierający tekst, diagram, linia, Wykres&#10;&#10;Opis wygenerowany automatycznie">
+            <a:extLst>
+              <a:ext uri="{FF2B5EF4-FFF2-40B4-BE49-F238E27FC236}">
+                <a16:creationId xmlns:a16="http://schemas.microsoft.com/office/drawing/2014/main" id="{0DC9EA0D-F5C6-D26D-AED1-5758E8049098}"/>
+              </a:ext>
+            </a:extLst>
+          </p:cNvPr>
+          <p:cNvPicPr>
+            <a:picLocks noGrp="1" noChangeAspect="1"/>
+          </p:cNvPicPr>
+          <p:nvPr>
+            <p:ph idx="1"/>
+          </p:nvPr>
+        </p:nvPicPr>
+        <p:blipFill>
+          <a:blip r:embed="rId2"/>
+          <a:stretch>
+            <a:fillRect/>
+          </a:stretch>
+        </p:blipFill>
+        <p:spPr>
+          <a:xfrm>
+            <a:off x="3048000" y="2286785"/>
+            <a:ext cx="6096000" cy="3657600"/>
+          </a:xfrm>
+        </p:spPr>
+      </p:pic>
+    </p:spTree>
+    <p:extLst>
+      <p:ext uri="{BB962C8B-B14F-4D97-AF65-F5344CB8AC3E}">
+        <p14:creationId xmlns:p14="http://schemas.microsoft.com/office/powerpoint/2010/main" val="1480686314"/>
+      </p:ext>
+    </p:extLst>
+  </p:cSld>
+  <p:clrMapOvr>
+    <a:masterClrMapping/>
+  </p:clrMapOvr>
+</p:sld>
+</file>
+
+<file path=ppt/slides/slide24.xml><?xml version="1.0" encoding="utf-8"?>
+<p:sld xmlns:a="http://schemas.openxmlformats.org/drawingml/2006/main" xmlns:r="http://schemas.openxmlformats.org/officeDocument/2006/relationships" xmlns:p="http://schemas.openxmlformats.org/presentationml/2006/main">
+  <p:cSld>
+    <p:spTree>
+      <p:nvGrpSpPr>
+        <p:cNvPr id="1" name=""/>
+        <p:cNvGrpSpPr/>
+        <p:nvPr/>
+      </p:nvGrpSpPr>
+      <p:grpSpPr>
+        <a:xfrm>
+          <a:off x="0" y="0"/>
+          <a:ext cx="0" cy="0"/>
+          <a:chOff x="0" y="0"/>
+          <a:chExt cx="0" cy="0"/>
+        </a:xfrm>
+      </p:grpSpPr>
+      <p:sp>
+        <p:nvSpPr>
+          <p:cNvPr id="2" name="Tytuł 1">
+            <a:extLst>
+              <a:ext uri="{FF2B5EF4-FFF2-40B4-BE49-F238E27FC236}">
+                <a16:creationId xmlns:a16="http://schemas.microsoft.com/office/drawing/2014/main" id="{6A7E3878-D3AD-8103-B075-ECAA27825F7E}"/>
+              </a:ext>
+            </a:extLst>
+          </p:cNvPr>
+          <p:cNvSpPr>
+            <a:spLocks noGrp="1"/>
+          </p:cNvSpPr>
+          <p:nvPr>
+            <p:ph type="title"/>
+          </p:nvPr>
+        </p:nvSpPr>
+        <p:spPr/>
+        <p:txBody>
+          <a:bodyPr/>
+          <a:lstStyle/>
+          <a:p>
+            <a:pPr algn="ctr"/>
+            <a:r>
+              <a:rPr lang="pl-PL" dirty="0">
+                <a:latin typeface="Arial"/>
+                <a:cs typeface="Arial"/>
+              </a:rPr>
+              <a:t>Porównanie statycznych algorytmów nawigacyjnych - wnioski</a:t>
+            </a:r>
+            <a:endParaRPr lang="pl-PL" dirty="0"/>
+          </a:p>
+        </p:txBody>
+      </p:sp>
+      <p:sp>
+        <p:nvSpPr>
+          <p:cNvPr id="3" name="Symbol zastępczy zawartości 2">
+            <a:extLst>
+              <a:ext uri="{FF2B5EF4-FFF2-40B4-BE49-F238E27FC236}">
+                <a16:creationId xmlns:a16="http://schemas.microsoft.com/office/drawing/2014/main" id="{CACB2D86-C747-77C5-3BC5-A476BEA96AF9}"/>
+              </a:ext>
+            </a:extLst>
+          </p:cNvPr>
+          <p:cNvSpPr>
+            <a:spLocks noGrp="1"/>
+          </p:cNvSpPr>
+          <p:nvPr>
+            <p:ph idx="1"/>
+          </p:nvPr>
+        </p:nvSpPr>
+        <p:spPr/>
+        <p:txBody>
+          <a:bodyPr vert="horz" lIns="91440" tIns="45720" rIns="91440" bIns="45720" rtlCol="0" anchor="t">
+            <a:normAutofit fontScale="85000" lnSpcReduction="10000"/>
+          </a:bodyPr>
+          <a:lstStyle/>
+          <a:p>
+            <a:pPr algn="just">
+              <a:buFont typeface="Calibri" panose="020B0604020202020204" pitchFamily="34" charset="0"/>
+              <a:buChar char="-"/>
+            </a:pPr>
+            <a:r>
+              <a:rPr lang="pl-PL" dirty="0">
+                <a:latin typeface="Arial"/>
+                <a:ea typeface="+mn-lt"/>
+                <a:cs typeface="+mn-lt"/>
+              </a:rPr>
+              <a:t>Algorytm Dijkstry wypadł lepiej pod względem czasu wykonania w porównaniu do algorytmu A*. Zwykle A* powinien działać szybciej, ponieważ używa heurystyki do prowadzenia wyszukiwania, co teoretycznie powinno ograniczyć liczbę odwiedzanych węzłów</a:t>
             </a:r>
             <a:endParaRPr lang="pl-PL">
               <a:latin typeface="Arial"/>
               <a:cs typeface="Arial"/>
             </a:endParaRPr>
           </a:p>
+          <a:p>
+            <a:pPr algn="just">
+              <a:buFont typeface="Calibri" panose="020B0604020202020204" pitchFamily="34" charset="0"/>
+              <a:buChar char="-"/>
+            </a:pPr>
+            <a:r>
+              <a:rPr lang="pl-PL" dirty="0">
+                <a:latin typeface="Arial"/>
+                <a:ea typeface="+mn-lt"/>
+                <a:cs typeface="+mn-lt"/>
+              </a:rPr>
+              <a:t>Heurystyka Manhattan osiągała najkrótsze czasy wykonania dla większości badanych przypadków. Odległość manhattańska jest najprostszą heurystyką spośród używanych, ponieważ jest to suma różnic w poziomych i pionowych odległościach między punktami. To prowadzi do szybszych obliczeń w porównaniu z bardziej złożonymi heurystykami jak </a:t>
+            </a:r>
+            <a:r>
+              <a:rPr lang="pl-PL" err="1">
+                <a:latin typeface="Arial"/>
+                <a:ea typeface="+mn-lt"/>
+                <a:cs typeface="+mn-lt"/>
+              </a:rPr>
+              <a:t>Euclidean</a:t>
+            </a:r>
+            <a:r>
+              <a:rPr lang="pl-PL" dirty="0">
+                <a:latin typeface="Arial"/>
+                <a:ea typeface="+mn-lt"/>
+                <a:cs typeface="+mn-lt"/>
+              </a:rPr>
+              <a:t> czy Max.</a:t>
+            </a:r>
+          </a:p>
+          <a:p>
+            <a:pPr algn="just">
+              <a:buFont typeface="Calibri"/>
+              <a:buChar char="-"/>
+            </a:pPr>
+            <a:r>
+              <a:rPr lang="pl-PL" dirty="0">
+                <a:latin typeface="Arial"/>
+                <a:cs typeface="Arial"/>
+              </a:rPr>
+              <a:t>Na mapach z przeszkodami </a:t>
+            </a:r>
+            <a:r>
+              <a:rPr lang="pl-PL" dirty="0">
+                <a:latin typeface="Arial"/>
+                <a:ea typeface="+mn-lt"/>
+                <a:cs typeface="+mn-lt"/>
+              </a:rPr>
+              <a:t>Algorytmy A* z różnymi heurystykami uzyskały takie same wyniki pod względem długości trasy, jednak wymagały więcej czasu obliczeniowego w porównaniu do Dijkstry.</a:t>
+            </a:r>
+            <a:endParaRPr lang="pl-PL">
+              <a:latin typeface="Arial"/>
+              <a:cs typeface="Arial"/>
+            </a:endParaRPr>
+          </a:p>
         </p:txBody>
       </p:sp>
     </p:spTree>
     <p:extLst>
       <p:ext uri="{BB962C8B-B14F-4D97-AF65-F5344CB8AC3E}">
-        <p14:creationId xmlns:p14="http://schemas.microsoft.com/office/powerpoint/2010/main" val="1005175774"/>
+        <p14:creationId xmlns:p14="http://schemas.microsoft.com/office/powerpoint/2010/main" val="201337100"/>
+      </p:ext>
+    </p:extLst>
+  </p:cSld>
+  <p:clrMapOvr>
+    <a:masterClrMapping/>
+  </p:clrMapOvr>
+</p:sld>
+</file>
+
+<file path=ppt/slides/slide25.xml><?xml version="1.0" encoding="utf-8"?>
+<p:sld xmlns:a="http://schemas.openxmlformats.org/drawingml/2006/main" xmlns:r="http://schemas.openxmlformats.org/officeDocument/2006/relationships" xmlns:p="http://schemas.openxmlformats.org/presentationml/2006/main">
+  <p:cSld>
+    <p:spTree>
+      <p:nvGrpSpPr>
+        <p:cNvPr id="1" name=""/>
+        <p:cNvGrpSpPr/>
+        <p:nvPr/>
+      </p:nvGrpSpPr>
+      <p:grpSpPr>
+        <a:xfrm>
+          <a:off x="0" y="0"/>
+          <a:ext cx="0" cy="0"/>
+          <a:chOff x="0" y="0"/>
+          <a:chExt cx="0" cy="0"/>
+        </a:xfrm>
+      </p:grpSpPr>
+      <p:sp>
+        <p:nvSpPr>
+          <p:cNvPr id="2" name="Tytuł 1">
+            <a:extLst>
+              <a:ext uri="{FF2B5EF4-FFF2-40B4-BE49-F238E27FC236}">
+                <a16:creationId xmlns:a16="http://schemas.microsoft.com/office/drawing/2014/main" id="{EE30A71B-B264-1609-723D-743A7001A0D2}"/>
+              </a:ext>
+            </a:extLst>
+          </p:cNvPr>
+          <p:cNvSpPr>
+            <a:spLocks noGrp="1"/>
+          </p:cNvSpPr>
+          <p:nvPr>
+            <p:ph type="title"/>
+          </p:nvPr>
+        </p:nvSpPr>
+        <p:spPr/>
+        <p:txBody>
+          <a:bodyPr/>
+          <a:lstStyle/>
+          <a:p>
+            <a:pPr algn="ctr"/>
+            <a:r>
+              <a:rPr lang="pl-PL" dirty="0">
+                <a:latin typeface="Arial"/>
+                <a:ea typeface="+mj-lt"/>
+                <a:cs typeface="+mj-lt"/>
+              </a:rPr>
+              <a:t>Porównanie dynamicznych algorytmów nawigacyjnych - opis eksperymentu</a:t>
+            </a:r>
+            <a:endParaRPr lang="pl-PL" dirty="0">
+              <a:latin typeface="Arial"/>
+              <a:cs typeface="Arial"/>
+            </a:endParaRPr>
+          </a:p>
+        </p:txBody>
+      </p:sp>
+      <p:sp>
+        <p:nvSpPr>
+          <p:cNvPr id="3" name="Symbol zastępczy zawartości 2">
+            <a:extLst>
+              <a:ext uri="{FF2B5EF4-FFF2-40B4-BE49-F238E27FC236}">
+                <a16:creationId xmlns:a16="http://schemas.microsoft.com/office/drawing/2014/main" id="{EA4664C9-59FA-012C-F42F-1EAEB97B7F12}"/>
+              </a:ext>
+            </a:extLst>
+          </p:cNvPr>
+          <p:cNvSpPr>
+            <a:spLocks noGrp="1"/>
+          </p:cNvSpPr>
+          <p:nvPr>
+            <p:ph idx="1"/>
+          </p:nvPr>
+        </p:nvSpPr>
+        <p:spPr/>
+        <p:txBody>
+          <a:bodyPr vert="horz" lIns="91440" tIns="45720" rIns="91440" bIns="45720" rtlCol="0" anchor="t">
+            <a:normAutofit/>
+          </a:bodyPr>
+          <a:lstStyle/>
+          <a:p>
+            <a:pPr marL="0" indent="0" algn="just">
+              <a:buNone/>
+            </a:pPr>
+            <a:r>
+              <a:rPr lang="pl-PL" sz="1400" dirty="0">
+                <a:latin typeface="Arial"/>
+                <a:cs typeface="Arial"/>
+              </a:rPr>
+              <a:t>Eksperyment polegał na przetestowaniu algorytmu D* oraz D*-Lite na rzeczywistej mapie i porównaniu wyników w celu wybrania optymalnego algorytmu dla zaimplementowanego robota.</a:t>
+            </a:r>
+            <a:endParaRPr lang="pl-PL" dirty="0"/>
+          </a:p>
+          <a:p>
+            <a:pPr marL="285750" indent="-285750" algn="just"/>
+            <a:r>
+              <a:rPr lang="pl-PL" sz="1400">
+                <a:latin typeface="Arial"/>
+                <a:cs typeface="Arial"/>
+              </a:rPr>
+              <a:t>Rozmiar mapy: 200x50cm</a:t>
+            </a:r>
+            <a:endParaRPr lang="pl-PL" sz="1400" i="0" dirty="0">
+              <a:latin typeface="Arial"/>
+              <a:cs typeface="Arial"/>
+            </a:endParaRPr>
+          </a:p>
+          <a:p>
+            <a:pPr marL="285750" indent="-285750" algn="just"/>
+            <a:r>
+              <a:rPr lang="pl-PL" sz="1400" dirty="0">
+                <a:latin typeface="Arial"/>
+                <a:cs typeface="Arial"/>
+              </a:rPr>
+              <a:t>Wykorzystane algorytmy statyczne do wyznaczenia pierwotnej trasy: Dijkstra oraz A* z metryką Manhattan.</a:t>
+            </a:r>
+            <a:endParaRPr lang="pl-PL" sz="1400" i="0" dirty="0">
+              <a:latin typeface="Arial"/>
+              <a:cs typeface="Arial"/>
+            </a:endParaRPr>
+          </a:p>
+          <a:p>
+            <a:pPr marL="400050" lvl="1" indent="-171450" algn="just">
+              <a:buFont typeface="Arial"/>
+              <a:buChar char="•"/>
+            </a:pPr>
+            <a:endParaRPr lang="pl-PL" sz="1200" i="0" dirty="0">
+              <a:latin typeface="Arial"/>
+              <a:cs typeface="Arial"/>
+            </a:endParaRPr>
+          </a:p>
+          <a:p>
+            <a:pPr marL="400050" lvl="1" indent="-171450" algn="just">
+              <a:buFont typeface="Arial"/>
+              <a:buChar char="•"/>
+            </a:pPr>
+            <a:endParaRPr lang="pl-PL" sz="1200" i="0" dirty="0">
+              <a:latin typeface="Arial"/>
+              <a:cs typeface="Arial"/>
+            </a:endParaRPr>
+          </a:p>
+        </p:txBody>
+      </p:sp>
+    </p:spTree>
+    <p:extLst>
+      <p:ext uri="{BB962C8B-B14F-4D97-AF65-F5344CB8AC3E}">
+        <p14:creationId xmlns:p14="http://schemas.microsoft.com/office/powerpoint/2010/main" val="4184188108"/>
+      </p:ext>
+    </p:extLst>
+  </p:cSld>
+  <p:clrMapOvr>
+    <a:masterClrMapping/>
+  </p:clrMapOvr>
+</p:sld>
+</file>
+
+<file path=ppt/slides/slide26.xml><?xml version="1.0" encoding="utf-8"?>
+<p:sld xmlns:a="http://schemas.openxmlformats.org/drawingml/2006/main" xmlns:r="http://schemas.openxmlformats.org/officeDocument/2006/relationships" xmlns:p="http://schemas.openxmlformats.org/presentationml/2006/main">
+  <p:cSld>
+    <p:spTree>
+      <p:nvGrpSpPr>
+        <p:cNvPr id="1" name=""/>
+        <p:cNvGrpSpPr/>
+        <p:nvPr/>
+      </p:nvGrpSpPr>
+      <p:grpSpPr>
+        <a:xfrm>
+          <a:off x="0" y="0"/>
+          <a:ext cx="0" cy="0"/>
+          <a:chOff x="0" y="0"/>
+          <a:chExt cx="0" cy="0"/>
+        </a:xfrm>
+      </p:grpSpPr>
+      <p:sp>
+        <p:nvSpPr>
+          <p:cNvPr id="2" name="Tytuł 1">
+            <a:extLst>
+              <a:ext uri="{FF2B5EF4-FFF2-40B4-BE49-F238E27FC236}">
+                <a16:creationId xmlns:a16="http://schemas.microsoft.com/office/drawing/2014/main" id="{54BD8F37-FE03-B940-F11B-77657F15EF29}"/>
+              </a:ext>
+            </a:extLst>
+          </p:cNvPr>
+          <p:cNvSpPr>
+            <a:spLocks noGrp="1"/>
+          </p:cNvSpPr>
+          <p:nvPr>
+            <p:ph type="title"/>
+          </p:nvPr>
+        </p:nvSpPr>
+        <p:spPr/>
+        <p:txBody>
+          <a:bodyPr>
+            <a:normAutofit fontScale="90000"/>
+          </a:bodyPr>
+          <a:lstStyle/>
+          <a:p>
+            <a:pPr algn="ctr"/>
+            <a:r>
+              <a:rPr lang="pl-PL" dirty="0">
+                <a:latin typeface="Arial"/>
+                <a:cs typeface="Arial"/>
+              </a:rPr>
+              <a:t>Porównanie dynamicznych algorytmów nawigacyjnych - Dijkstra jako algorytm bazowy</a:t>
+            </a:r>
+            <a:endParaRPr lang="pl-PL" dirty="0"/>
+          </a:p>
+        </p:txBody>
+      </p:sp>
+      <p:sp>
+        <p:nvSpPr>
+          <p:cNvPr id="3" name="Symbol zastępczy zawartości 2">
+            <a:extLst>
+              <a:ext uri="{FF2B5EF4-FFF2-40B4-BE49-F238E27FC236}">
+                <a16:creationId xmlns:a16="http://schemas.microsoft.com/office/drawing/2014/main" id="{9E33D238-4402-090E-F38D-4DFD5B9E410D}"/>
+              </a:ext>
+            </a:extLst>
+          </p:cNvPr>
+          <p:cNvSpPr>
+            <a:spLocks noGrp="1"/>
+          </p:cNvSpPr>
+          <p:nvPr>
+            <p:ph idx="1"/>
+          </p:nvPr>
+        </p:nvSpPr>
+        <p:spPr/>
+        <p:txBody>
+          <a:bodyPr vert="horz" lIns="91440" tIns="45720" rIns="91440" bIns="45720" rtlCol="0" anchor="t">
+            <a:normAutofit/>
+          </a:bodyPr>
+          <a:lstStyle/>
+          <a:p>
+            <a:pPr marL="0" indent="0" algn="ctr">
+              <a:buNone/>
+            </a:pPr>
+            <a:r>
+              <a:rPr lang="pl-PL" dirty="0"/>
+              <a:t>TODO</a:t>
+            </a:r>
+          </a:p>
+        </p:txBody>
+      </p:sp>
+    </p:spTree>
+    <p:extLst>
+      <p:ext uri="{BB962C8B-B14F-4D97-AF65-F5344CB8AC3E}">
+        <p14:creationId xmlns:p14="http://schemas.microsoft.com/office/powerpoint/2010/main" val="2158081106"/>
+      </p:ext>
+    </p:extLst>
+  </p:cSld>
+  <p:clrMapOvr>
+    <a:masterClrMapping/>
+  </p:clrMapOvr>
+</p:sld>
+</file>
+
+<file path=ppt/slides/slide27.xml><?xml version="1.0" encoding="utf-8"?>
+<p:sld xmlns:a="http://schemas.openxmlformats.org/drawingml/2006/main" xmlns:r="http://schemas.openxmlformats.org/officeDocument/2006/relationships" xmlns:p="http://schemas.openxmlformats.org/presentationml/2006/main">
+  <p:cSld>
+    <p:spTree>
+      <p:nvGrpSpPr>
+        <p:cNvPr id="1" name=""/>
+        <p:cNvGrpSpPr/>
+        <p:nvPr/>
+      </p:nvGrpSpPr>
+      <p:grpSpPr>
+        <a:xfrm>
+          <a:off x="0" y="0"/>
+          <a:ext cx="0" cy="0"/>
+          <a:chOff x="0" y="0"/>
+          <a:chExt cx="0" cy="0"/>
+        </a:xfrm>
+      </p:grpSpPr>
+      <p:sp>
+        <p:nvSpPr>
+          <p:cNvPr id="2" name="Tytuł 1">
+            <a:extLst>
+              <a:ext uri="{FF2B5EF4-FFF2-40B4-BE49-F238E27FC236}">
+                <a16:creationId xmlns:a16="http://schemas.microsoft.com/office/drawing/2014/main" id="{54BD8F37-FE03-B940-F11B-77657F15EF29}"/>
+              </a:ext>
+            </a:extLst>
+          </p:cNvPr>
+          <p:cNvSpPr>
+            <a:spLocks noGrp="1"/>
+          </p:cNvSpPr>
+          <p:nvPr>
+            <p:ph type="title"/>
+          </p:nvPr>
+        </p:nvSpPr>
+        <p:spPr/>
+        <p:txBody>
+          <a:bodyPr>
+            <a:normAutofit/>
+          </a:bodyPr>
+          <a:lstStyle/>
+          <a:p>
+            <a:pPr algn="ctr"/>
+            <a:r>
+              <a:rPr lang="pl-PL" dirty="0">
+                <a:latin typeface="Arial"/>
+                <a:cs typeface="Arial"/>
+              </a:rPr>
+              <a:t>Porównanie dynamicznych algorytmów nawigacyjnych - A* jako algorytm bazowy</a:t>
+            </a:r>
+            <a:endParaRPr lang="pl-PL" dirty="0"/>
+          </a:p>
+        </p:txBody>
+      </p:sp>
+      <p:sp>
+        <p:nvSpPr>
+          <p:cNvPr id="3" name="Symbol zastępczy zawartości 2">
+            <a:extLst>
+              <a:ext uri="{FF2B5EF4-FFF2-40B4-BE49-F238E27FC236}">
+                <a16:creationId xmlns:a16="http://schemas.microsoft.com/office/drawing/2014/main" id="{9E33D238-4402-090E-F38D-4DFD5B9E410D}"/>
+              </a:ext>
+            </a:extLst>
+          </p:cNvPr>
+          <p:cNvSpPr>
+            <a:spLocks noGrp="1"/>
+          </p:cNvSpPr>
+          <p:nvPr>
+            <p:ph idx="1"/>
+          </p:nvPr>
+        </p:nvSpPr>
+        <p:spPr/>
+        <p:txBody>
+          <a:bodyPr vert="horz" lIns="91440" tIns="45720" rIns="91440" bIns="45720" rtlCol="0" anchor="t">
+            <a:normAutofit/>
+          </a:bodyPr>
+          <a:lstStyle/>
+          <a:p>
+            <a:pPr marL="0" indent="0" algn="ctr">
+              <a:buNone/>
+            </a:pPr>
+            <a:r>
+              <a:rPr lang="pl-PL" dirty="0"/>
+              <a:t>TODO</a:t>
+            </a:r>
+          </a:p>
+        </p:txBody>
+      </p:sp>
+    </p:spTree>
+    <p:extLst>
+      <p:ext uri="{BB962C8B-B14F-4D97-AF65-F5344CB8AC3E}">
+        <p14:creationId xmlns:p14="http://schemas.microsoft.com/office/powerpoint/2010/main" val="2002136377"/>
+      </p:ext>
+    </p:extLst>
+  </p:cSld>
+  <p:clrMapOvr>
+    <a:masterClrMapping/>
+  </p:clrMapOvr>
+</p:sld>
+</file>
+
+<file path=ppt/slides/slide28.xml><?xml version="1.0" encoding="utf-8"?>
+<p:sld xmlns:a="http://schemas.openxmlformats.org/drawingml/2006/main" xmlns:r="http://schemas.openxmlformats.org/officeDocument/2006/relationships" xmlns:p="http://schemas.openxmlformats.org/presentationml/2006/main">
+  <p:cSld>
+    <p:spTree>
+      <p:nvGrpSpPr>
+        <p:cNvPr id="1" name=""/>
+        <p:cNvGrpSpPr/>
+        <p:nvPr/>
+      </p:nvGrpSpPr>
+      <p:grpSpPr>
+        <a:xfrm>
+          <a:off x="0" y="0"/>
+          <a:ext cx="0" cy="0"/>
+          <a:chOff x="0" y="0"/>
+          <a:chExt cx="0" cy="0"/>
+        </a:xfrm>
+      </p:grpSpPr>
+      <p:sp>
+        <p:nvSpPr>
+          <p:cNvPr id="2" name="Tytuł 1">
+            <a:extLst>
+              <a:ext uri="{FF2B5EF4-FFF2-40B4-BE49-F238E27FC236}">
+                <a16:creationId xmlns:a16="http://schemas.microsoft.com/office/drawing/2014/main" id="{ED261937-CB75-E9B4-9FEF-56B8767A7863}"/>
+              </a:ext>
+            </a:extLst>
+          </p:cNvPr>
+          <p:cNvSpPr>
+            <a:spLocks noGrp="1"/>
+          </p:cNvSpPr>
+          <p:nvPr>
+            <p:ph type="title"/>
+          </p:nvPr>
+        </p:nvSpPr>
+        <p:spPr/>
+        <p:txBody>
+          <a:bodyPr/>
+          <a:lstStyle/>
+          <a:p>
+            <a:pPr algn="ctr"/>
+            <a:r>
+              <a:rPr lang="pl-PL" dirty="0">
+                <a:latin typeface="Arial"/>
+                <a:cs typeface="Arial"/>
+              </a:rPr>
+              <a:t>Porównanie dynamicznych algorytmów nawigacyjnych - wnioski</a:t>
+            </a:r>
+            <a:endParaRPr lang="pl-PL" dirty="0"/>
+          </a:p>
+        </p:txBody>
+      </p:sp>
+      <p:sp>
+        <p:nvSpPr>
+          <p:cNvPr id="3" name="Symbol zastępczy zawartości 2">
+            <a:extLst>
+              <a:ext uri="{FF2B5EF4-FFF2-40B4-BE49-F238E27FC236}">
+                <a16:creationId xmlns:a16="http://schemas.microsoft.com/office/drawing/2014/main" id="{7BCC6746-721D-2D1C-92D7-B642C7177450}"/>
+              </a:ext>
+            </a:extLst>
+          </p:cNvPr>
+          <p:cNvSpPr>
+            <a:spLocks noGrp="1"/>
+          </p:cNvSpPr>
+          <p:nvPr>
+            <p:ph idx="1"/>
+          </p:nvPr>
+        </p:nvSpPr>
+        <p:spPr/>
+        <p:txBody>
+          <a:bodyPr vert="horz" lIns="91440" tIns="45720" rIns="91440" bIns="45720" rtlCol="0" anchor="t">
+            <a:normAutofit/>
+          </a:bodyPr>
+          <a:lstStyle/>
+          <a:p>
+            <a:pPr marL="0" indent="0" algn="ctr">
+              <a:buNone/>
+            </a:pPr>
+            <a:r>
+              <a:rPr lang="pl-PL" dirty="0"/>
+              <a:t>TODO</a:t>
+            </a:r>
+          </a:p>
+        </p:txBody>
+      </p:sp>
+    </p:spTree>
+    <p:extLst>
+      <p:ext uri="{BB962C8B-B14F-4D97-AF65-F5344CB8AC3E}">
+        <p14:creationId xmlns:p14="http://schemas.microsoft.com/office/powerpoint/2010/main" val="2492331660"/>
+      </p:ext>
+    </p:extLst>
+  </p:cSld>
+  <p:clrMapOvr>
+    <a:masterClrMapping/>
+  </p:clrMapOvr>
+</p:sld>
+</file>
+
+<file path=ppt/slides/slide29.xml><?xml version="1.0" encoding="utf-8"?>
+<p:sld xmlns:a="http://schemas.openxmlformats.org/drawingml/2006/main" xmlns:r="http://schemas.openxmlformats.org/officeDocument/2006/relationships" xmlns:p="http://schemas.openxmlformats.org/presentationml/2006/main">
+  <p:cSld>
+    <p:spTree>
+      <p:nvGrpSpPr>
+        <p:cNvPr id="1" name=""/>
+        <p:cNvGrpSpPr/>
+        <p:nvPr/>
+      </p:nvGrpSpPr>
+      <p:grpSpPr>
+        <a:xfrm>
+          <a:off x="0" y="0"/>
+          <a:ext cx="0" cy="0"/>
+          <a:chOff x="0" y="0"/>
+          <a:chExt cx="0" cy="0"/>
+        </a:xfrm>
+      </p:grpSpPr>
+      <p:sp>
+        <p:nvSpPr>
+          <p:cNvPr id="2" name="Tytuł 1">
+            <a:extLst>
+              <a:ext uri="{FF2B5EF4-FFF2-40B4-BE49-F238E27FC236}">
+                <a16:creationId xmlns:a16="http://schemas.microsoft.com/office/drawing/2014/main" id="{35484F7F-CF3E-F732-D6C9-D9FE26E0B37B}"/>
+              </a:ext>
+            </a:extLst>
+          </p:cNvPr>
+          <p:cNvSpPr>
+            <a:spLocks noGrp="1"/>
+          </p:cNvSpPr>
+          <p:nvPr>
+            <p:ph type="title"/>
+          </p:nvPr>
+        </p:nvSpPr>
+        <p:spPr/>
+        <p:txBody>
+          <a:bodyPr/>
+          <a:lstStyle/>
+          <a:p>
+            <a:pPr algn="ctr"/>
+            <a:r>
+              <a:rPr lang="pl-PL" dirty="0">
+                <a:latin typeface="Arial"/>
+                <a:cs typeface="Arial"/>
+              </a:rPr>
+              <a:t>Wkład własny</a:t>
+            </a:r>
+          </a:p>
+        </p:txBody>
+      </p:sp>
+      <p:sp>
+        <p:nvSpPr>
+          <p:cNvPr id="3" name="Symbol zastępczy zawartości 2">
+            <a:extLst>
+              <a:ext uri="{FF2B5EF4-FFF2-40B4-BE49-F238E27FC236}">
+                <a16:creationId xmlns:a16="http://schemas.microsoft.com/office/drawing/2014/main" id="{8507B270-D02C-0571-7CF9-33B44968E481}"/>
+              </a:ext>
+            </a:extLst>
+          </p:cNvPr>
+          <p:cNvSpPr>
+            <a:spLocks noGrp="1"/>
+          </p:cNvSpPr>
+          <p:nvPr>
+            <p:ph idx="1"/>
+          </p:nvPr>
+        </p:nvSpPr>
+        <p:spPr/>
+        <p:txBody>
+          <a:bodyPr vert="horz" lIns="91440" tIns="45720" rIns="91440" bIns="45720" rtlCol="0" anchor="t">
+            <a:normAutofit/>
+          </a:bodyPr>
+          <a:lstStyle/>
+          <a:p>
+            <a:pPr marL="0" indent="0">
+              <a:buNone/>
+            </a:pPr>
+            <a:r>
+              <a:rPr lang="pl-PL" dirty="0">
+                <a:latin typeface="Arial"/>
+                <a:cs typeface="Arial"/>
+              </a:rPr>
+              <a:t>Za wkład własny autor uważa:</a:t>
+            </a:r>
+          </a:p>
+          <a:p>
+            <a:pPr marL="342900" indent="-342900"/>
+            <a:r>
+              <a:rPr lang="pl-PL" dirty="0">
+                <a:latin typeface="Arial"/>
+                <a:cs typeface="Arial"/>
+              </a:rPr>
+              <a:t>Implementację robota mobilnego</a:t>
+            </a:r>
+          </a:p>
+          <a:p>
+            <a:pPr marL="342900" indent="-342900"/>
+            <a:r>
+              <a:rPr lang="pl-PL" dirty="0">
+                <a:latin typeface="Arial"/>
+                <a:cs typeface="Arial"/>
+              </a:rPr>
+              <a:t>Implementację systemu wbudowanego robota</a:t>
+            </a:r>
+          </a:p>
+          <a:p>
+            <a:pPr marL="342900" indent="-342900"/>
+            <a:r>
+              <a:rPr lang="pl-PL" dirty="0">
+                <a:latin typeface="Arial"/>
+                <a:cs typeface="Arial"/>
+              </a:rPr>
+              <a:t>Implementację eksperymentów</a:t>
+            </a:r>
+          </a:p>
+        </p:txBody>
+      </p:sp>
+    </p:spTree>
+    <p:extLst>
+      <p:ext uri="{BB962C8B-B14F-4D97-AF65-F5344CB8AC3E}">
+        <p14:creationId xmlns:p14="http://schemas.microsoft.com/office/powerpoint/2010/main" val="469433003"/>
       </p:ext>
     </p:extLst>
   </p:cSld>
@@ -7231,7 +8576,10 @@
           <a:p>
             <a:pPr algn="ctr"/>
             <a:r>
-              <a:rPr lang="pl-PL" dirty="0"/>
+              <a:rPr lang="pl-PL" dirty="0">
+                <a:latin typeface="Arial"/>
+                <a:cs typeface="Arial"/>
+              </a:rPr>
               <a:t>Badanie metod heurystycznych do optymalizacji nastaw PID</a:t>
             </a:r>
           </a:p>
@@ -7320,7 +8668,10 @@
           <a:p>
             <a:pPr algn="ctr"/>
             <a:r>
-              <a:rPr lang="pl-PL" dirty="0"/>
+              <a:rPr lang="pl-PL" dirty="0">
+                <a:latin typeface="Arial"/>
+                <a:cs typeface="Arial"/>
+              </a:rPr>
               <a:t>Stanowisko pomiarowe</a:t>
             </a:r>
           </a:p>

--- a/ppt/Magisterka.pptx
+++ b/ppt/Magisterka.pptx
@@ -143,6 +143,7 @@
 <file path=ppt/revisionInfo.xml><?xml version="1.0" encoding="utf-8"?>
 <p1510:revInfo xmlns:a="http://schemas.openxmlformats.org/drawingml/2006/main" xmlns:r="http://schemas.openxmlformats.org/officeDocument/2006/relationships" xmlns:p1510="http://schemas.microsoft.com/office/powerpoint/2015/10/main">
   <p1510:revLst>
+    <p1510:client id="{8325F748-832D-6D34-4240-FCE4E0D6A92B}" v="65" dt="2024-06-18T22:18:01.095"/>
     <p1510:client id="{9AA01AE4-6C54-E03E-3CBE-64F618448C34}" v="761" dt="2024-06-18T22:12:47.717"/>
   </p1510:revLst>
 </p1510:revInfo>
@@ -7154,7 +7155,7 @@
                 <a:latin typeface="Arial"/>
                 <a:cs typeface="Arial"/>
               </a:rPr>
-              <a:t>Porównanie algorytmów na mapach bez przeszkód - Dijkstra</a:t>
+              <a:t>Porównanie algorytmów statycznych na mapach bez przeszkód - Dijkstra</a:t>
             </a:r>
           </a:p>
         </p:txBody>
@@ -7245,7 +7246,7 @@
                 <a:latin typeface="Arial"/>
                 <a:cs typeface="Arial"/>
               </a:rPr>
-              <a:t>Porównanie algorytmów na mapach bez przeszkód - A*</a:t>
+              <a:t>Porównanie algorytmów statycznych na mapach bez przeszkód - A*</a:t>
             </a:r>
           </a:p>
         </p:txBody>
@@ -7336,7 +7337,7 @@
                 <a:latin typeface="Arial"/>
                 <a:cs typeface="Arial"/>
               </a:rPr>
-              <a:t>Porównanie algorytmów na mapach bez przeszkód</a:t>
+              <a:t>Porównanie algorytmów statycznych na mapach bez przeszkód</a:t>
             </a:r>
             <a:endParaRPr lang="pl-PL" dirty="0"/>
           </a:p>
@@ -7419,7 +7420,9 @@
         </p:nvSpPr>
         <p:spPr/>
         <p:txBody>
-          <a:bodyPr/>
+          <a:bodyPr>
+            <a:normAutofit/>
+          </a:bodyPr>
           <a:lstStyle/>
           <a:p>
             <a:pPr algn="ctr"/>
@@ -7428,7 +7431,7 @@
                 <a:latin typeface="Arial"/>
                 <a:cs typeface="Arial"/>
               </a:rPr>
-              <a:t>Porównanie algorytmów na mapach z losowo umieszczonymi przeszkodami</a:t>
+              <a:t>Porównanie algorytmów statycznych na mapach z przeszkodami</a:t>
             </a:r>
           </a:p>
         </p:txBody>
@@ -7611,9 +7614,17 @@
               <a:rPr lang="pl-PL" dirty="0">
                 <a:latin typeface="Arial"/>
                 <a:ea typeface="+mn-lt"/>
+                <a:cs typeface="Arial"/>
+              </a:rPr>
+              <a:t>a</a:t>
+            </a:r>
+            <a:r>
+              <a:rPr lang="pl-PL" dirty="0">
+                <a:latin typeface="Arial"/>
+                <a:ea typeface="+mn-lt"/>
                 <a:cs typeface="+mn-lt"/>
               </a:rPr>
-              <a:t>Algorytmy A* z różnymi heurystykami uzyskały takie same wyniki pod względem długości trasy, jednak wymagały więcej czasu obliczeniowego w porównaniu do Dijkstry.</a:t>
+              <a:t>lgorytmy Dijkstry oraz A* z różnymi heurystykami uzyskały takie same wyniki pod względem długości trasy, jednak wymagały więcej czasu obliczeniowego w porównaniu do Dijkstry.</a:t>
             </a:r>
             <a:endParaRPr lang="pl-PL">
               <a:latin typeface="Arial"/>
